--- a/Data Science Capstone Project Predicting NYC Taxi Trip.pptx
+++ b/Data Science Capstone Project Predicting NYC Taxi Trip.pptx
@@ -67,13 +67,13 @@
         </a:solidFill>
         <a:effectLst/>
         <a:uFillTx/>
-        <a:latin typeface="+mj-lt"/>
-        <a:ea typeface="+mj-ea"/>
-        <a:cs typeface="+mj-cs"/>
-        <a:sym typeface="Calibri"/>
+        <a:latin typeface="+mn-lt"/>
+        <a:ea typeface="+mn-ea"/>
+        <a:cs typeface="+mn-cs"/>
+        <a:sym typeface="Helvetica"/>
       </a:defRPr>
     </a:lvl1pPr>
-    <a:lvl2pPr marL="0" marR="0" indent="457200" algn="l" defTabSz="914400" rtl="0" fontAlgn="auto" latinLnBrk="0" hangingPunct="0">
+    <a:lvl2pPr marL="0" marR="0" indent="0" algn="l" defTabSz="914400" rtl="0" fontAlgn="auto" latinLnBrk="0" hangingPunct="0">
       <a:lnSpc>
         <a:spcPct val="100000"/>
       </a:lnSpc>
@@ -97,13 +97,13 @@
         </a:solidFill>
         <a:effectLst/>
         <a:uFillTx/>
-        <a:latin typeface="+mj-lt"/>
-        <a:ea typeface="+mj-ea"/>
-        <a:cs typeface="+mj-cs"/>
-        <a:sym typeface="Calibri"/>
+        <a:latin typeface="+mn-lt"/>
+        <a:ea typeface="+mn-ea"/>
+        <a:cs typeface="+mn-cs"/>
+        <a:sym typeface="Helvetica"/>
       </a:defRPr>
     </a:lvl2pPr>
-    <a:lvl3pPr marL="0" marR="0" indent="914400" algn="l" defTabSz="914400" rtl="0" fontAlgn="auto" latinLnBrk="0" hangingPunct="0">
+    <a:lvl3pPr marL="0" marR="0" indent="0" algn="l" defTabSz="914400" rtl="0" fontAlgn="auto" latinLnBrk="0" hangingPunct="0">
       <a:lnSpc>
         <a:spcPct val="100000"/>
       </a:lnSpc>
@@ -127,13 +127,13 @@
         </a:solidFill>
         <a:effectLst/>
         <a:uFillTx/>
-        <a:latin typeface="+mj-lt"/>
-        <a:ea typeface="+mj-ea"/>
-        <a:cs typeface="+mj-cs"/>
-        <a:sym typeface="Calibri"/>
+        <a:latin typeface="+mn-lt"/>
+        <a:ea typeface="+mn-ea"/>
+        <a:cs typeface="+mn-cs"/>
+        <a:sym typeface="Helvetica"/>
       </a:defRPr>
     </a:lvl3pPr>
-    <a:lvl4pPr marL="0" marR="0" indent="1371600" algn="l" defTabSz="914400" rtl="0" fontAlgn="auto" latinLnBrk="0" hangingPunct="0">
+    <a:lvl4pPr marL="0" marR="0" indent="0" algn="l" defTabSz="914400" rtl="0" fontAlgn="auto" latinLnBrk="0" hangingPunct="0">
       <a:lnSpc>
         <a:spcPct val="100000"/>
       </a:lnSpc>
@@ -157,13 +157,13 @@
         </a:solidFill>
         <a:effectLst/>
         <a:uFillTx/>
-        <a:latin typeface="+mj-lt"/>
-        <a:ea typeface="+mj-ea"/>
-        <a:cs typeface="+mj-cs"/>
-        <a:sym typeface="Calibri"/>
+        <a:latin typeface="+mn-lt"/>
+        <a:ea typeface="+mn-ea"/>
+        <a:cs typeface="+mn-cs"/>
+        <a:sym typeface="Helvetica"/>
       </a:defRPr>
     </a:lvl4pPr>
-    <a:lvl5pPr marL="0" marR="0" indent="1828800" algn="l" defTabSz="914400" rtl="0" fontAlgn="auto" latinLnBrk="0" hangingPunct="0">
+    <a:lvl5pPr marL="0" marR="0" indent="0" algn="l" defTabSz="914400" rtl="0" fontAlgn="auto" latinLnBrk="0" hangingPunct="0">
       <a:lnSpc>
         <a:spcPct val="100000"/>
       </a:lnSpc>
@@ -187,13 +187,13 @@
         </a:solidFill>
         <a:effectLst/>
         <a:uFillTx/>
-        <a:latin typeface="+mj-lt"/>
-        <a:ea typeface="+mj-ea"/>
-        <a:cs typeface="+mj-cs"/>
-        <a:sym typeface="Calibri"/>
+        <a:latin typeface="+mn-lt"/>
+        <a:ea typeface="+mn-ea"/>
+        <a:cs typeface="+mn-cs"/>
+        <a:sym typeface="Helvetica"/>
       </a:defRPr>
     </a:lvl5pPr>
-    <a:lvl6pPr marL="0" marR="0" indent="2286000" algn="l" defTabSz="914400" rtl="0" fontAlgn="auto" latinLnBrk="0" hangingPunct="0">
+    <a:lvl6pPr marL="0" marR="0" indent="0" algn="l" defTabSz="914400" rtl="0" fontAlgn="auto" latinLnBrk="0" hangingPunct="0">
       <a:lnSpc>
         <a:spcPct val="100000"/>
       </a:lnSpc>
@@ -217,13 +217,13 @@
         </a:solidFill>
         <a:effectLst/>
         <a:uFillTx/>
-        <a:latin typeface="+mj-lt"/>
-        <a:ea typeface="+mj-ea"/>
-        <a:cs typeface="+mj-cs"/>
-        <a:sym typeface="Calibri"/>
+        <a:latin typeface="+mn-lt"/>
+        <a:ea typeface="+mn-ea"/>
+        <a:cs typeface="+mn-cs"/>
+        <a:sym typeface="Helvetica"/>
       </a:defRPr>
     </a:lvl6pPr>
-    <a:lvl7pPr marL="0" marR="0" indent="2743200" algn="l" defTabSz="914400" rtl="0" fontAlgn="auto" latinLnBrk="0" hangingPunct="0">
+    <a:lvl7pPr marL="0" marR="0" indent="0" algn="l" defTabSz="914400" rtl="0" fontAlgn="auto" latinLnBrk="0" hangingPunct="0">
       <a:lnSpc>
         <a:spcPct val="100000"/>
       </a:lnSpc>
@@ -247,13 +247,13 @@
         </a:solidFill>
         <a:effectLst/>
         <a:uFillTx/>
-        <a:latin typeface="+mj-lt"/>
-        <a:ea typeface="+mj-ea"/>
-        <a:cs typeface="+mj-cs"/>
-        <a:sym typeface="Calibri"/>
+        <a:latin typeface="+mn-lt"/>
+        <a:ea typeface="+mn-ea"/>
+        <a:cs typeface="+mn-cs"/>
+        <a:sym typeface="Helvetica"/>
       </a:defRPr>
     </a:lvl7pPr>
-    <a:lvl8pPr marL="0" marR="0" indent="3200400" algn="l" defTabSz="914400" rtl="0" fontAlgn="auto" latinLnBrk="0" hangingPunct="0">
+    <a:lvl8pPr marL="0" marR="0" indent="0" algn="l" defTabSz="914400" rtl="0" fontAlgn="auto" latinLnBrk="0" hangingPunct="0">
       <a:lnSpc>
         <a:spcPct val="100000"/>
       </a:lnSpc>
@@ -277,13 +277,13 @@
         </a:solidFill>
         <a:effectLst/>
         <a:uFillTx/>
-        <a:latin typeface="+mj-lt"/>
-        <a:ea typeface="+mj-ea"/>
-        <a:cs typeface="+mj-cs"/>
-        <a:sym typeface="Calibri"/>
+        <a:latin typeface="+mn-lt"/>
+        <a:ea typeface="+mn-ea"/>
+        <a:cs typeface="+mn-cs"/>
+        <a:sym typeface="Helvetica"/>
       </a:defRPr>
     </a:lvl8pPr>
-    <a:lvl9pPr marL="0" marR="0" indent="3657600" algn="l" defTabSz="914400" rtl="0" fontAlgn="auto" latinLnBrk="0" hangingPunct="0">
+    <a:lvl9pPr marL="0" marR="0" indent="0" algn="l" defTabSz="914400" rtl="0" fontAlgn="auto" latinLnBrk="0" hangingPunct="0">
       <a:lnSpc>
         <a:spcPct val="100000"/>
       </a:lnSpc>
@@ -307,10 +307,10 @@
         </a:solidFill>
         <a:effectLst/>
         <a:uFillTx/>
-        <a:latin typeface="+mj-lt"/>
-        <a:ea typeface="+mj-ea"/>
-        <a:cs typeface="+mj-cs"/>
-        <a:sym typeface="Calibri"/>
+        <a:latin typeface="+mn-lt"/>
+        <a:ea typeface="+mn-ea"/>
+        <a:cs typeface="+mn-cs"/>
+        <a:sym typeface="Helvetica"/>
       </a:defRPr>
     </a:lvl9pPr>
   </p:defaultTextStyle>
@@ -528,7 +528,7 @@
         <p:spPr>
           <a:xfrm>
             <a:off x="1524000" y="3602037"/>
-            <a:ext cx="9144000" cy="1655763"/>
+            <a:ext cx="9144000" cy="1655764"/>
           </a:xfrm>
           <a:prstGeom prst="rect">
             <a:avLst/>
@@ -543,25 +543,25 @@
               <a:buNone/>
               <a:defRPr sz="2400"/>
             </a:lvl1pPr>
-            <a:lvl2pPr marL="0" indent="457200" algn="ctr">
+            <a:lvl2pPr marL="0" indent="0" algn="ctr">
               <a:buSzTx/>
               <a:buFontTx/>
               <a:buNone/>
               <a:defRPr sz="2400"/>
             </a:lvl2pPr>
-            <a:lvl3pPr marL="0" indent="914400" algn="ctr">
+            <a:lvl3pPr marL="0" indent="0" algn="ctr">
               <a:buSzTx/>
               <a:buFontTx/>
               <a:buNone/>
               <a:defRPr sz="2400"/>
             </a:lvl3pPr>
-            <a:lvl4pPr marL="0" indent="1371600" algn="ctr">
+            <a:lvl4pPr marL="0" indent="0" algn="ctr">
               <a:buSzTx/>
               <a:buFontTx/>
               <a:buNone/>
               <a:defRPr sz="2400"/>
             </a:lvl4pPr>
-            <a:lvl5pPr marL="0" indent="1828800" algn="ctr">
+            <a:lvl5pPr marL="0" indent="0" algn="ctr">
               <a:buSzTx/>
               <a:buFontTx/>
               <a:buNone/>
@@ -1059,7 +1059,7 @@
         <p:spPr>
           <a:xfrm>
             <a:off x="831850" y="4589462"/>
-            <a:ext cx="10515600" cy="1500188"/>
+            <a:ext cx="10515600" cy="1500189"/>
           </a:xfrm>
           <a:prstGeom prst="rect">
             <a:avLst/>
@@ -1078,7 +1078,7 @@
                 </a:solidFill>
               </a:defRPr>
             </a:lvl1pPr>
-            <a:lvl2pPr marL="0" indent="457200">
+            <a:lvl2pPr marL="0" indent="0">
               <a:buSzTx/>
               <a:buFontTx/>
               <a:buNone/>
@@ -1088,7 +1088,7 @@
                 </a:solidFill>
               </a:defRPr>
             </a:lvl2pPr>
-            <a:lvl3pPr marL="0" indent="914400">
+            <a:lvl3pPr marL="0" indent="0">
               <a:buSzTx/>
               <a:buFontTx/>
               <a:buNone/>
@@ -1098,7 +1098,7 @@
                 </a:solidFill>
               </a:defRPr>
             </a:lvl3pPr>
-            <a:lvl4pPr marL="0" indent="1371600">
+            <a:lvl4pPr marL="0" indent="0">
               <a:buSzTx/>
               <a:buFontTx/>
               <a:buNone/>
@@ -1108,7 +1108,7 @@
                 </a:solidFill>
               </a:defRPr>
             </a:lvl4pPr>
-            <a:lvl5pPr marL="0" indent="1828800">
+            <a:lvl5pPr marL="0" indent="0">
               <a:buSzTx/>
               <a:buFontTx/>
               <a:buNone/>
@@ -1362,7 +1362,7 @@
         <p:spPr>
           <a:xfrm>
             <a:off x="839787" y="1681163"/>
-            <a:ext cx="5157789" cy="823913"/>
+            <a:ext cx="5157790" cy="823914"/>
           </a:xfrm>
           <a:prstGeom prst="rect">
             <a:avLst/>
@@ -1377,25 +1377,25 @@
               <a:buNone/>
               <a:defRPr b="1" sz="2400"/>
             </a:lvl1pPr>
-            <a:lvl2pPr marL="0" indent="457200">
+            <a:lvl2pPr marL="0" indent="0">
               <a:buSzTx/>
               <a:buFontTx/>
               <a:buNone/>
               <a:defRPr b="1" sz="2400"/>
             </a:lvl2pPr>
-            <a:lvl3pPr marL="0" indent="914400">
+            <a:lvl3pPr marL="0" indent="0">
               <a:buSzTx/>
               <a:buFontTx/>
               <a:buNone/>
               <a:defRPr b="1" sz="2400"/>
             </a:lvl3pPr>
-            <a:lvl4pPr marL="0" indent="1371600">
+            <a:lvl4pPr marL="0" indent="0">
               <a:buSzTx/>
               <a:buFontTx/>
               <a:buNone/>
               <a:defRPr b="1" sz="2400"/>
             </a:lvl4pPr>
-            <a:lvl5pPr marL="0" indent="1828800">
+            <a:lvl5pPr marL="0" indent="0">
               <a:buSzTx/>
               <a:buFontTx/>
               <a:buNone/>
@@ -1445,7 +1445,7 @@
         <p:spPr>
           <a:xfrm>
             <a:off x="6172200" y="1681163"/>
-            <a:ext cx="5183188" cy="823913"/>
+            <a:ext cx="5183188" cy="823914"/>
           </a:xfrm>
           <a:prstGeom prst="rect">
             <a:avLst/>
@@ -1455,12 +1455,7 @@
           <a:bodyPr anchor="b"/>
           <a:lstStyle/>
           <a:p>
-            <a:pPr marL="0" indent="0">
-              <a:buSzTx/>
-              <a:buFontTx/>
-              <a:buNone/>
-              <a:defRPr b="1" sz="2400"/>
-            </a:pPr>
+            <a:pPr/>
           </a:p>
         </p:txBody>
       </p:sp>
@@ -1643,7 +1638,7 @@
         <p:spPr>
           <a:xfrm>
             <a:off x="839787" y="457200"/>
-            <a:ext cx="3932239" cy="1600200"/>
+            <a:ext cx="3932240" cy="1600200"/>
           </a:xfrm>
           <a:prstGeom prst="rect">
             <a:avLst/>
@@ -1675,7 +1670,7 @@
         <p:spPr>
           <a:xfrm>
             <a:off x="5183187" y="987425"/>
-            <a:ext cx="6172201" cy="4873625"/>
+            <a:ext cx="6172202" cy="4873625"/>
           </a:xfrm>
           <a:prstGeom prst="rect">
             <a:avLst/>
@@ -1743,7 +1738,7 @@
         <p:spPr>
           <a:xfrm>
             <a:off x="839787" y="2057400"/>
-            <a:ext cx="3932239" cy="3811588"/>
+            <a:ext cx="3932240" cy="3811588"/>
           </a:xfrm>
           <a:prstGeom prst="rect">
             <a:avLst/>
@@ -1753,12 +1748,7 @@
           <a:bodyPr/>
           <a:lstStyle/>
           <a:p>
-            <a:pPr marL="0" indent="0">
-              <a:buSzTx/>
-              <a:buFontTx/>
-              <a:buNone/>
-              <a:defRPr sz="1600"/>
-            </a:pPr>
+            <a:pPr/>
           </a:p>
         </p:txBody>
       </p:sp>
@@ -1821,7 +1811,7 @@
         <p:spPr>
           <a:xfrm>
             <a:off x="839787" y="457200"/>
-            <a:ext cx="3932239" cy="1600200"/>
+            <a:ext cx="3932240" cy="1600200"/>
           </a:xfrm>
           <a:prstGeom prst="rect">
             <a:avLst/>
@@ -1853,14 +1843,14 @@
         <p:spPr>
           <a:xfrm>
             <a:off x="5183187" y="987425"/>
-            <a:ext cx="6172201" cy="4873625"/>
+            <a:ext cx="6172202" cy="4873625"/>
           </a:xfrm>
           <a:prstGeom prst="rect">
             <a:avLst/>
           </a:prstGeom>
         </p:spPr>
         <p:txBody>
-          <a:bodyPr lIns="91439" rIns="91439">
+          <a:bodyPr lIns="91439" tIns="45719" rIns="91439" bIns="45719">
             <a:noAutofit/>
           </a:bodyPr>
           <a:lstStyle/>
@@ -1880,7 +1870,7 @@
         <p:spPr>
           <a:xfrm>
             <a:off x="839787" y="2057400"/>
-            <a:ext cx="3932239" cy="3811588"/>
+            <a:ext cx="3932240" cy="3811588"/>
           </a:xfrm>
           <a:prstGeom prst="rect">
             <a:avLst/>
@@ -1895,25 +1885,25 @@
               <a:buNone/>
               <a:defRPr sz="1600"/>
             </a:lvl1pPr>
-            <a:lvl2pPr marL="0" indent="457200">
+            <a:lvl2pPr marL="0" indent="0">
               <a:buSzTx/>
               <a:buFontTx/>
               <a:buNone/>
               <a:defRPr sz="1600"/>
             </a:lvl2pPr>
-            <a:lvl3pPr marL="0" indent="914400">
+            <a:lvl3pPr marL="0" indent="0">
               <a:buSzTx/>
               <a:buFontTx/>
               <a:buNone/>
               <a:defRPr sz="1600"/>
             </a:lvl3pPr>
-            <a:lvl4pPr marL="0" indent="1371600">
+            <a:lvl4pPr marL="0" indent="0">
               <a:buSzTx/>
               <a:buFontTx/>
               <a:buNone/>
               <a:defRPr sz="1600"/>
             </a:lvl4pPr>
-            <a:lvl5pPr marL="0" indent="1828800">
+            <a:lvl5pPr marL="0" indent="0">
               <a:buSzTx/>
               <a:buFontTx/>
               <a:buNone/>
@@ -2033,7 +2023,7 @@
           </a:extLst>
         </p:spPr>
         <p:txBody>
-          <a:bodyPr lIns="45719" rIns="45719" anchor="ctr">
+          <a:bodyPr lIns="45718" tIns="45718" rIns="45718" bIns="45718" anchor="ctr">
             <a:normAutofit fontScale="100000" lnSpcReduction="0"/>
           </a:bodyPr>
           <a:lstStyle/>
@@ -2071,7 +2061,7 @@
           </a:extLst>
         </p:spPr>
         <p:txBody>
-          <a:bodyPr lIns="45719" rIns="45719">
+          <a:bodyPr lIns="45718" tIns="45718" rIns="45718" bIns="45718">
             <a:normAutofit fontScale="100000" lnSpcReduction="0"/>
           </a:bodyPr>
           <a:lstStyle/>
@@ -2117,8 +2107,8 @@
         </p:nvSpPr>
         <p:spPr>
           <a:xfrm>
-            <a:off x="11095176" y="6404292"/>
-            <a:ext cx="258624" cy="269241"/>
+            <a:off x="11095178" y="6404293"/>
+            <a:ext cx="258623" cy="269239"/>
           </a:xfrm>
           <a:prstGeom prst="rect">
             <a:avLst/>
@@ -2128,7 +2118,7 @@
           </a:ln>
         </p:spPr>
         <p:txBody>
-          <a:bodyPr wrap="none" lIns="45719" rIns="45719" anchor="ctr">
+          <a:bodyPr wrap="none" lIns="45718" tIns="45718" rIns="45718" bIns="45718" anchor="ctr">
             <a:spAutoFit/>
           </a:bodyPr>
           <a:lstStyle>
@@ -2137,6 +2127,10 @@
                 <a:solidFill>
                   <a:srgbClr val="888888"/>
                 </a:solidFill>
+                <a:latin typeface="+mj-lt"/>
+                <a:ea typeface="+mj-ea"/>
+                <a:cs typeface="+mj-cs"/>
+                <a:sym typeface="Calibri"/>
               </a:defRPr>
             </a:lvl1pPr>
           </a:lstStyle>
@@ -2486,7 +2480,7 @@
           <a:sym typeface="Calibri"/>
         </a:defRPr>
       </a:lvl2pPr>
-      <a:lvl3pPr marL="1234439" marR="0" indent="-320039" algn="l" defTabSz="914400" rtl="0" latinLnBrk="0">
+      <a:lvl3pPr marL="1234438" marR="0" indent="-320038" algn="l" defTabSz="914400" rtl="0" latinLnBrk="0">
         <a:lnSpc>
           <a:spcPct val="90000"/>
         </a:lnSpc>
@@ -2720,7 +2714,7 @@
           <a:sym typeface="Calibri"/>
         </a:defRPr>
       </a:lvl1pPr>
-      <a:lvl2pPr marL="0" marR="0" indent="457200" algn="r" defTabSz="914400" rtl="0" latinLnBrk="0">
+      <a:lvl2pPr marL="0" marR="0" indent="0" algn="r" defTabSz="914400" rtl="0" latinLnBrk="0">
         <a:lnSpc>
           <a:spcPct val="100000"/>
         </a:lnSpc>
@@ -2749,7 +2743,7 @@
           <a:sym typeface="Calibri"/>
         </a:defRPr>
       </a:lvl2pPr>
-      <a:lvl3pPr marL="0" marR="0" indent="914400" algn="r" defTabSz="914400" rtl="0" latinLnBrk="0">
+      <a:lvl3pPr marL="0" marR="0" indent="0" algn="r" defTabSz="914400" rtl="0" latinLnBrk="0">
         <a:lnSpc>
           <a:spcPct val="100000"/>
         </a:lnSpc>
@@ -2778,7 +2772,7 @@
           <a:sym typeface="Calibri"/>
         </a:defRPr>
       </a:lvl3pPr>
-      <a:lvl4pPr marL="0" marR="0" indent="1371600" algn="r" defTabSz="914400" rtl="0" latinLnBrk="0">
+      <a:lvl4pPr marL="0" marR="0" indent="0" algn="r" defTabSz="914400" rtl="0" latinLnBrk="0">
         <a:lnSpc>
           <a:spcPct val="100000"/>
         </a:lnSpc>
@@ -2807,7 +2801,7 @@
           <a:sym typeface="Calibri"/>
         </a:defRPr>
       </a:lvl4pPr>
-      <a:lvl5pPr marL="0" marR="0" indent="1828800" algn="r" defTabSz="914400" rtl="0" latinLnBrk="0">
+      <a:lvl5pPr marL="0" marR="0" indent="0" algn="r" defTabSz="914400" rtl="0" latinLnBrk="0">
         <a:lnSpc>
           <a:spcPct val="100000"/>
         </a:lnSpc>
@@ -2836,7 +2830,7 @@
           <a:sym typeface="Calibri"/>
         </a:defRPr>
       </a:lvl5pPr>
-      <a:lvl6pPr marL="0" marR="0" indent="2286000" algn="r" defTabSz="914400" rtl="0" latinLnBrk="0">
+      <a:lvl6pPr marL="0" marR="0" indent="0" algn="r" defTabSz="914400" rtl="0" latinLnBrk="0">
         <a:lnSpc>
           <a:spcPct val="100000"/>
         </a:lnSpc>
@@ -2865,7 +2859,7 @@
           <a:sym typeface="Calibri"/>
         </a:defRPr>
       </a:lvl6pPr>
-      <a:lvl7pPr marL="0" marR="0" indent="2743200" algn="r" defTabSz="914400" rtl="0" latinLnBrk="0">
+      <a:lvl7pPr marL="0" marR="0" indent="0" algn="r" defTabSz="914400" rtl="0" latinLnBrk="0">
         <a:lnSpc>
           <a:spcPct val="100000"/>
         </a:lnSpc>
@@ -2894,7 +2888,7 @@
           <a:sym typeface="Calibri"/>
         </a:defRPr>
       </a:lvl7pPr>
-      <a:lvl8pPr marL="0" marR="0" indent="3200400" algn="r" defTabSz="914400" rtl="0" latinLnBrk="0">
+      <a:lvl8pPr marL="0" marR="0" indent="0" algn="r" defTabSz="914400" rtl="0" latinLnBrk="0">
         <a:lnSpc>
           <a:spcPct val="100000"/>
         </a:lnSpc>
@@ -2923,7 +2917,7 @@
           <a:sym typeface="Calibri"/>
         </a:defRPr>
       </a:lvl8pPr>
-      <a:lvl9pPr marL="0" marR="0" indent="3657600" algn="r" defTabSz="914400" rtl="0" latinLnBrk="0">
+      <a:lvl9pPr marL="0" marR="0" indent="0" algn="r" defTabSz="914400" rtl="0" latinLnBrk="0">
         <a:lnSpc>
           <a:spcPct val="100000"/>
         </a:lnSpc>
@@ -3114,7 +3108,7 @@
         </p:nvSpPr>
         <p:spPr>
           <a:xfrm>
-            <a:off x="838200" y="883043"/>
+            <a:off x="838200" y="883042"/>
             <a:ext cx="10515600" cy="850106"/>
           </a:xfrm>
           <a:prstGeom prst="rect">
@@ -3160,8 +3154,8 @@
         </p:nvSpPr>
         <p:spPr>
           <a:xfrm>
-            <a:off x="838200" y="1402159"/>
-            <a:ext cx="10515600" cy="742156"/>
+            <a:off x="838200" y="1402158"/>
+            <a:ext cx="10515600" cy="742157"/>
           </a:xfrm>
           <a:prstGeom prst="rect">
             <a:avLst/>
@@ -3176,7 +3170,7 @@
           </a:extLst>
         </p:spPr>
         <p:txBody>
-          <a:bodyPr lIns="45719" rIns="45719" anchor="ctr">
+          <a:bodyPr lIns="45718" tIns="45718" rIns="45718" bIns="45718" anchor="ctr">
             <a:normAutofit fontScale="100000" lnSpcReduction="0"/>
           </a:bodyPr>
           <a:lstStyle>
@@ -3209,7 +3203,7 @@
         <p:spPr>
           <a:xfrm>
             <a:off x="838200" y="2122083"/>
-            <a:ext cx="10515600" cy="1266908"/>
+            <a:ext cx="10515600" cy="1266906"/>
           </a:xfrm>
           <a:prstGeom prst="rect">
             <a:avLst/>
@@ -3224,7 +3218,7 @@
           </a:extLst>
         </p:spPr>
         <p:txBody>
-          <a:bodyPr lIns="45719" rIns="45719">
+          <a:bodyPr lIns="45718" tIns="45718" rIns="45718" bIns="45718">
             <a:spAutoFit/>
           </a:bodyPr>
           <a:lstStyle/>
@@ -3275,11 +3269,11 @@
             <a:r>
               <a:rPr u="sng">
                 <a:solidFill>
-                  <a:srgbClr val="0563C1"/>
+                  <a:srgbClr val="0000FF"/>
                 </a:solidFill>
                 <a:uFill>
                   <a:solidFill>
-                    <a:srgbClr val="0563C1"/>
+                    <a:srgbClr val="0000FF"/>
                   </a:solidFill>
                 </a:uFill>
                 <a:hlinkClick r:id="rId2" invalidUrl="" action="" tgtFrame="" tooltip="" history="1" highlightClick="0" endSnd="0"/>
@@ -3289,11 +3283,11 @@
             <a:r>
               <a:rPr u="sng">
                 <a:solidFill>
-                  <a:srgbClr val="0563C1"/>
+                  <a:srgbClr val="0000FF"/>
                 </a:solidFill>
                 <a:uFill>
                   <a:solidFill>
-                    <a:srgbClr val="0563C1"/>
+                    <a:srgbClr val="0000FF"/>
                   </a:solidFill>
                 </a:uFill>
                 <a:hlinkClick r:id="rId2" invalidUrl="" action="" tgtFrame="" tooltip="" history="1" highlightClick="0" endSnd="0"/>
@@ -3326,11 +3320,11 @@
             <a:r>
               <a:rPr u="sng">
                 <a:solidFill>
-                  <a:srgbClr val="0563C1"/>
+                  <a:srgbClr val="0000FF"/>
                 </a:solidFill>
                 <a:uFill>
                   <a:solidFill>
-                    <a:srgbClr val="0563C1"/>
+                    <a:srgbClr val="0000FF"/>
                   </a:solidFill>
                 </a:uFill>
                 <a:hlinkClick r:id="rId3" invalidUrl="" action="" tgtFrame="" tooltip="" history="1" highlightClick="0" endSnd="0"/>
@@ -3365,11 +3359,11 @@
             <a:r>
               <a:rPr u="sng">
                 <a:solidFill>
-                  <a:srgbClr val="0563C1"/>
+                  <a:srgbClr val="0000FF"/>
                 </a:solidFill>
                 <a:uFill>
                   <a:solidFill>
-                    <a:srgbClr val="0563C1"/>
+                    <a:srgbClr val="0000FF"/>
                   </a:solidFill>
                 </a:uFill>
                 <a:hlinkClick r:id="rId4" invalidUrl="" action="" tgtFrame="" tooltip="" history="1" highlightClick="0" endSnd="0"/>
@@ -3391,7 +3385,7 @@
         <p:spPr>
           <a:xfrm>
             <a:off x="838200" y="3300412"/>
-            <a:ext cx="10515600" cy="742156"/>
+            <a:ext cx="10515600" cy="742157"/>
           </a:xfrm>
           <a:prstGeom prst="rect">
             <a:avLst/>
@@ -3406,7 +3400,7 @@
           </a:extLst>
         </p:spPr>
         <p:txBody>
-          <a:bodyPr lIns="45719" rIns="45719" anchor="ctr">
+          <a:bodyPr lIns="45718" tIns="45718" rIns="45718" bIns="45718" anchor="ctr">
             <a:normAutofit fontScale="100000" lnSpcReduction="0"/>
           </a:bodyPr>
           <a:lstStyle>
@@ -3438,8 +3432,8 @@
         </p:nvSpPr>
         <p:spPr>
           <a:xfrm>
-            <a:off x="838200" y="4042568"/>
-            <a:ext cx="10515600" cy="2057402"/>
+            <a:off x="838200" y="4042567"/>
+            <a:ext cx="10515600" cy="2057403"/>
           </a:xfrm>
           <a:prstGeom prst="rect">
             <a:avLst/>
@@ -3454,7 +3448,7 @@
           </a:extLst>
         </p:spPr>
         <p:txBody>
-          <a:bodyPr lIns="45719" rIns="45719">
+          <a:bodyPr lIns="45718" tIns="45718" rIns="45718" bIns="45718">
             <a:normAutofit fontScale="100000" lnSpcReduction="0"/>
           </a:bodyPr>
           <a:lstStyle/>
@@ -3596,7 +3590,7 @@
         <p:spPr>
           <a:xfrm>
             <a:off x="200025" y="178594"/>
-            <a:ext cx="3561701" cy="2850356"/>
+            <a:ext cx="3561701" cy="2850357"/>
           </a:xfrm>
           <a:prstGeom prst="rect">
             <a:avLst/>
@@ -3625,7 +3619,7 @@
         <p:spPr>
           <a:xfrm>
             <a:off x="7902561" y="178592"/>
-            <a:ext cx="3691745" cy="2770421"/>
+            <a:ext cx="3691745" cy="2770422"/>
           </a:xfrm>
           <a:prstGeom prst="rect">
             <a:avLst/>
@@ -3644,7 +3638,7 @@
         <p:spPr>
           <a:xfrm>
             <a:off x="200024" y="3095922"/>
-            <a:ext cx="3390252" cy="848870"/>
+            <a:ext cx="3390252" cy="848868"/>
           </a:xfrm>
           <a:prstGeom prst="rect">
             <a:avLst/>
@@ -3659,7 +3653,7 @@
           </a:extLst>
         </p:spPr>
         <p:txBody>
-          <a:bodyPr lIns="45719" rIns="45719">
+          <a:bodyPr lIns="45718" tIns="45718" rIns="45718" bIns="45718">
             <a:spAutoFit/>
           </a:bodyPr>
           <a:lstStyle>
@@ -3689,7 +3683,7 @@
         <p:spPr>
           <a:xfrm>
             <a:off x="7902561" y="3095922"/>
-            <a:ext cx="3291695" cy="391670"/>
+            <a:ext cx="3291695" cy="391668"/>
           </a:xfrm>
           <a:prstGeom prst="rect">
             <a:avLst/>
@@ -3704,7 +3698,7 @@
           </a:extLst>
         </p:spPr>
         <p:txBody>
-          <a:bodyPr lIns="45719" rIns="45719">
+          <a:bodyPr lIns="45718" tIns="45718" rIns="45718" bIns="45718">
             <a:spAutoFit/>
           </a:bodyPr>
           <a:lstStyle>
@@ -3743,8 +3737,8 @@
         </p:blipFill>
         <p:spPr>
           <a:xfrm>
-            <a:off x="4090337" y="1058033"/>
-            <a:ext cx="3312163" cy="2976609"/>
+            <a:off x="4090337" y="1058032"/>
+            <a:ext cx="3312164" cy="2976611"/>
           </a:xfrm>
           <a:prstGeom prst="rect">
             <a:avLst/>
@@ -3763,7 +3757,7 @@
         <p:spPr>
           <a:xfrm>
             <a:off x="4276075" y="3949360"/>
-            <a:ext cx="3390251" cy="391671"/>
+            <a:ext cx="3390251" cy="391668"/>
           </a:xfrm>
           <a:prstGeom prst="rect">
             <a:avLst/>
@@ -3778,7 +3772,7 @@
           </a:extLst>
         </p:spPr>
         <p:txBody>
-          <a:bodyPr lIns="45719" rIns="45719">
+          <a:bodyPr lIns="45718" tIns="45718" rIns="45718" bIns="45718">
             <a:spAutoFit/>
           </a:bodyPr>
           <a:lstStyle>
@@ -3818,7 +3812,7 @@
         <p:spPr>
           <a:xfrm>
             <a:off x="200026" y="4164805"/>
-            <a:ext cx="3561701" cy="1414463"/>
+            <a:ext cx="3561701" cy="1414464"/>
           </a:xfrm>
           <a:prstGeom prst="rect">
             <a:avLst/>
@@ -3846,8 +3840,8 @@
         </p:blipFill>
         <p:spPr>
           <a:xfrm>
-            <a:off x="7837776" y="4164805"/>
-            <a:ext cx="3756531" cy="1414464"/>
+            <a:off x="7837775" y="4164805"/>
+            <a:ext cx="3756533" cy="1414465"/>
           </a:xfrm>
           <a:prstGeom prst="rect">
             <a:avLst/>
@@ -3865,8 +3859,8 @@
         </p:nvSpPr>
         <p:spPr>
           <a:xfrm>
-            <a:off x="300037" y="5709432"/>
-            <a:ext cx="3633139" cy="442056"/>
+            <a:off x="300036" y="5709432"/>
+            <a:ext cx="3633141" cy="442053"/>
           </a:xfrm>
           <a:prstGeom prst="rect">
             <a:avLst/>
@@ -3881,7 +3875,7 @@
           </a:extLst>
         </p:spPr>
         <p:txBody>
-          <a:bodyPr lIns="45719" rIns="45719">
+          <a:bodyPr lIns="45718" tIns="45718" rIns="45718" bIns="45718">
             <a:spAutoFit/>
           </a:bodyPr>
           <a:lstStyle>
@@ -3910,8 +3904,8 @@
         </p:nvSpPr>
         <p:spPr>
           <a:xfrm>
-            <a:off x="7837776" y="5709432"/>
-            <a:ext cx="3633138" cy="442055"/>
+            <a:off x="7837775" y="5709432"/>
+            <a:ext cx="3633139" cy="442053"/>
           </a:xfrm>
           <a:prstGeom prst="rect">
             <a:avLst/>
@@ -3926,7 +3920,7 @@
           </a:extLst>
         </p:spPr>
         <p:txBody>
-          <a:bodyPr lIns="45719" rIns="45719">
+          <a:bodyPr lIns="45718" tIns="45718" rIns="45718" bIns="45718">
             <a:spAutoFit/>
           </a:bodyPr>
           <a:lstStyle>
@@ -3984,7 +3978,7 @@
         <p:spPr>
           <a:xfrm>
             <a:off x="838200" y="229395"/>
-            <a:ext cx="10515600" cy="742156"/>
+            <a:ext cx="10515600" cy="742157"/>
           </a:xfrm>
           <a:prstGeom prst="rect">
             <a:avLst/>
@@ -4020,8 +4014,8 @@
         </p:nvSpPr>
         <p:spPr>
           <a:xfrm>
-            <a:off x="838200" y="864393"/>
-            <a:ext cx="10515600" cy="4764883"/>
+            <a:off x="838200" y="864392"/>
+            <a:ext cx="10515600" cy="4764885"/>
           </a:xfrm>
           <a:prstGeom prst="rect">
             <a:avLst/>
@@ -4259,8 +4253,8 @@
         </p:nvSpPr>
         <p:spPr>
           <a:xfrm>
-            <a:off x="838200" y="864393"/>
-            <a:ext cx="10515600" cy="1270994"/>
+            <a:off x="838200" y="864392"/>
+            <a:ext cx="10515600" cy="1270996"/>
           </a:xfrm>
           <a:prstGeom prst="rect">
             <a:avLst/>
@@ -4305,7 +4299,7 @@
               </a:defRPr>
             </a:pPr>
             <a:r>
-              <a:t>Random forest chosen - low RMSE, low variance, can be grown in parallel</a:t>
+              <a:t>Random forest chosen - low RMSE, low variance, trees can be grown in parallel</a:t>
             </a:r>
           </a:p>
           <a:p>
@@ -4331,8 +4325,8 @@
         </p:nvSpPr>
         <p:spPr>
           <a:xfrm>
-            <a:off x="838200" y="2680493"/>
-            <a:ext cx="7593311" cy="3127525"/>
+            <a:off x="838200" y="2680492"/>
+            <a:ext cx="7593311" cy="3127526"/>
           </a:xfrm>
           <a:prstGeom prst="rect">
             <a:avLst/>
@@ -4347,7 +4341,7 @@
           </a:extLst>
         </p:spPr>
         <p:txBody>
-          <a:bodyPr lIns="45719" rIns="45719">
+          <a:bodyPr lIns="45718" tIns="45718" rIns="45718" bIns="45718">
             <a:normAutofit fontScale="100000" lnSpcReduction="0"/>
           </a:bodyPr>
           <a:lstStyle/>
@@ -4403,7 +4397,7 @@
             </a:r>
           </a:p>
           <a:p>
-            <a:pPr lvl="1" marL="670560" indent="-213360">
+            <a:pPr lvl="1" marL="670559" indent="-213359">
               <a:lnSpc>
                 <a:spcPct val="90000"/>
               </a:lnSpc>
@@ -4413,7 +4407,7 @@
               <a:buSzPct val="100000"/>
               <a:buFont typeface="Arial"/>
               <a:buChar char="•"/>
-              <a:defRPr sz="1500">
+              <a:defRPr sz="1400">
                 <a:latin typeface="Arial"/>
                 <a:ea typeface="Arial"/>
                 <a:cs typeface="Arial"/>
@@ -4421,10 +4415,8 @@
               </a:defRPr>
             </a:pPr>
             <a:r>
-              <a:rPr sz="1400"/>
               <a:t>Residuals centered about zero, slight heteroscedasticity observed</a:t>
             </a:r>
-            <a:endParaRPr sz="1400"/>
           </a:p>
           <a:p>
             <a:pPr lvl="1" marL="685800" indent="-228600">
@@ -4590,8 +4582,8 @@
         </p:nvSpPr>
         <p:spPr>
           <a:xfrm>
-            <a:off x="838200" y="2219375"/>
-            <a:ext cx="2721472" cy="377130"/>
+            <a:off x="838200" y="2219374"/>
+            <a:ext cx="2721473" cy="377132"/>
           </a:xfrm>
           <a:prstGeom prst="rect">
             <a:avLst/>
@@ -4606,7 +4598,7 @@
           </a:extLst>
         </p:spPr>
         <p:txBody>
-          <a:bodyPr lIns="45719" rIns="45719" anchor="ctr">
+          <a:bodyPr lIns="45718" tIns="45718" rIns="45718" bIns="45718" anchor="ctr">
             <a:normAutofit fontScale="100000" lnSpcReduction="0"/>
           </a:bodyPr>
           <a:lstStyle>
@@ -4649,7 +4641,7 @@
         <p:spPr>
           <a:xfrm>
             <a:off x="8618476" y="1569020"/>
-            <a:ext cx="2824286" cy="1966914"/>
+            <a:ext cx="2824287" cy="1966915"/>
           </a:xfrm>
           <a:prstGeom prst="rect">
             <a:avLst/>
@@ -4677,8 +4669,8 @@
         </p:blipFill>
         <p:spPr>
           <a:xfrm>
-            <a:off x="8525705" y="4189751"/>
-            <a:ext cx="3518399" cy="2443519"/>
+            <a:off x="8525705" y="4189750"/>
+            <a:ext cx="3518399" cy="2443520"/>
           </a:xfrm>
           <a:prstGeom prst="rect">
             <a:avLst/>
@@ -4697,7 +4689,7 @@
         <p:spPr>
           <a:xfrm>
             <a:off x="8864955" y="1279946"/>
-            <a:ext cx="2839899" cy="307341"/>
+            <a:ext cx="2839897" cy="307339"/>
           </a:xfrm>
           <a:prstGeom prst="rect">
             <a:avLst/>
@@ -4712,12 +4704,17 @@
           </a:extLst>
         </p:spPr>
         <p:txBody>
-          <a:bodyPr wrap="none" lIns="45719" rIns="45719">
+          <a:bodyPr wrap="none" lIns="45718" tIns="45718" rIns="45718" bIns="45718">
             <a:spAutoFit/>
           </a:bodyPr>
           <a:lstStyle>
             <a:lvl1pPr>
-              <a:defRPr sz="1400"/>
+              <a:defRPr sz="1400">
+                <a:latin typeface="+mj-lt"/>
+                <a:ea typeface="+mj-ea"/>
+                <a:cs typeface="+mj-cs"/>
+                <a:sym typeface="Calibri"/>
+              </a:defRPr>
             </a:lvl1pPr>
           </a:lstStyle>
           <a:p>
@@ -4737,7 +4734,7 @@
         <p:spPr>
           <a:xfrm>
             <a:off x="8825540" y="3691509"/>
-            <a:ext cx="2792671" cy="523241"/>
+            <a:ext cx="2792669" cy="523239"/>
           </a:xfrm>
           <a:prstGeom prst="rect">
             <a:avLst/>
@@ -4752,13 +4749,18 @@
           </a:extLst>
         </p:spPr>
         <p:txBody>
-          <a:bodyPr wrap="none" lIns="45719" rIns="45719">
+          <a:bodyPr wrap="none" lIns="45718" tIns="45718" rIns="45718" bIns="45718">
             <a:spAutoFit/>
           </a:bodyPr>
           <a:lstStyle/>
           <a:p>
             <a:pPr>
-              <a:defRPr sz="1400"/>
+              <a:defRPr sz="1400">
+                <a:latin typeface="+mj-lt"/>
+                <a:ea typeface="+mj-ea"/>
+                <a:cs typeface="+mj-cs"/>
+                <a:sym typeface="Calibri"/>
+              </a:defRPr>
             </a:pPr>
             <a:r>
               <a:t>Predicted trip length with horizontal</a:t>
@@ -4766,7 +4768,12 @@
           </a:p>
           <a:p>
             <a:pPr>
-              <a:defRPr sz="1400"/>
+              <a:defRPr sz="1400">
+                <a:latin typeface="+mj-lt"/>
+                <a:ea typeface="+mj-ea"/>
+                <a:cs typeface="+mj-cs"/>
+                <a:sym typeface="Calibri"/>
+              </a:defRPr>
             </a:pPr>
             <a:r>
               <a:t>lines drawn at categorical boundaries</a:t>
@@ -4782,8 +4789,8 @@
         </p:nvSpPr>
         <p:spPr>
           <a:xfrm>
-            <a:off x="813222" y="5892007"/>
-            <a:ext cx="7643266" cy="650241"/>
+            <a:off x="813221" y="5815807"/>
+            <a:ext cx="7643267" cy="929639"/>
           </a:xfrm>
           <a:prstGeom prst="rect">
             <a:avLst/>
@@ -4798,18 +4805,23 @@
           </a:extLst>
         </p:spPr>
         <p:txBody>
-          <a:bodyPr lIns="45719" rIns="45719">
+          <a:bodyPr lIns="45718" tIns="45718" rIns="45718" bIns="45718">
             <a:spAutoFit/>
           </a:bodyPr>
           <a:lstStyle>
             <a:lvl1pPr>
-              <a:defRPr b="1"/>
+              <a:defRPr b="1">
+                <a:latin typeface="+mj-lt"/>
+                <a:ea typeface="+mj-ea"/>
+                <a:cs typeface="+mj-cs"/>
+                <a:sym typeface="Calibri"/>
+              </a:defRPr>
             </a:lvl1pPr>
           </a:lstStyle>
           <a:p>
             <a:pPr/>
             <a:r>
-              <a:t>The regression model is not recommended given the current ability to model traffic. Instead, the simpler classification model should be used.</a:t>
+              <a:t>We decided to use the classification approach for predicting trip times due to the high RMSE on the regression model, and because our particular binning of trip times produced favorable metrics in terms of overall prediction accuracy.</a:t>
             </a:r>
           </a:p>
         </p:txBody>
@@ -5016,17 +5028,17 @@
         <a:solidFill>
           <a:srgbClr val="FFFFFF"/>
         </a:solidFill>
-        <a:ln w="12700" cap="flat">
+        <a:ln w="25400" cap="flat">
           <a:solidFill>
             <a:schemeClr val="accent1"/>
           </a:solidFill>
           <a:prstDash val="solid"/>
-          <a:miter lim="800000"/>
+          <a:round/>
         </a:ln>
         <a:effectLst/>
         <a:sp3d/>
       </a:spPr>
-      <a:bodyPr rot="0" spcFirstLastPara="1" vertOverflow="overflow" horzOverflow="overflow" vert="horz" wrap="square" lIns="45719" tIns="45719" rIns="45719" bIns="45719" numCol="1" spcCol="38100" rtlCol="0" anchor="ctr" upright="0">
+      <a:bodyPr rot="0" spcFirstLastPara="1" vertOverflow="overflow" horzOverflow="overflow" vert="horz" wrap="square" lIns="45718" tIns="45718" rIns="45718" bIns="45718" numCol="1" spcCol="38100" rtlCol="0" anchor="ctr" upright="0">
         <a:spAutoFit/>
       </a:bodyPr>
       <a:lstStyle>
@@ -5054,10 +5066,10 @@
             </a:solidFill>
             <a:effectLst/>
             <a:uFillTx/>
-            <a:latin typeface="+mj-lt"/>
-            <a:ea typeface="+mj-ea"/>
-            <a:cs typeface="+mj-cs"/>
-            <a:sym typeface="Calibri"/>
+            <a:latin typeface="+mn-lt"/>
+            <a:ea typeface="+mn-ea"/>
+            <a:cs typeface="+mn-cs"/>
+            <a:sym typeface="Helvetica"/>
           </a:defRPr>
         </a:defPPr>
         <a:lvl1pPr marL="0" marR="0" indent="0" algn="l" defTabSz="914400" rtl="0" fontAlgn="auto" latinLnBrk="1" hangingPunct="0">
@@ -5305,12 +5317,12 @@
     <a:lnDef>
       <a:spPr>
         <a:noFill/>
-        <a:ln w="12700" cap="flat">
+        <a:ln w="25400" cap="flat">
           <a:solidFill>
             <a:schemeClr val="accent1"/>
           </a:solidFill>
           <a:prstDash val="solid"/>
-          <a:miter lim="800000"/>
+          <a:round/>
         </a:ln>
         <a:effectLst/>
         <a:sp3d/>
@@ -5597,7 +5609,7 @@
         <a:effectLst/>
         <a:sp3d/>
       </a:spPr>
-      <a:bodyPr rot="0" spcFirstLastPara="1" vertOverflow="overflow" horzOverflow="overflow" vert="horz" wrap="square" lIns="45719" tIns="45719" rIns="45719" bIns="45719" numCol="1" spcCol="38100" rtlCol="0" anchor="t" upright="0">
+      <a:bodyPr rot="0" spcFirstLastPara="1" vertOverflow="overflow" horzOverflow="overflow" vert="horz" wrap="square" lIns="45718" tIns="45718" rIns="45718" bIns="45718" numCol="1" spcCol="38100" rtlCol="0" anchor="t" upright="0">
         <a:spAutoFit/>
       </a:bodyPr>
       <a:lstStyle>
@@ -5625,10 +5637,10 @@
             </a:solidFill>
             <a:effectLst/>
             <a:uFillTx/>
-            <a:latin typeface="+mj-lt"/>
-            <a:ea typeface="+mj-ea"/>
-            <a:cs typeface="+mj-cs"/>
-            <a:sym typeface="Calibri"/>
+            <a:latin typeface="+mn-lt"/>
+            <a:ea typeface="+mn-ea"/>
+            <a:cs typeface="+mn-cs"/>
+            <a:sym typeface="Helvetica"/>
           </a:defRPr>
         </a:defPPr>
         <a:lvl1pPr marL="0" marR="0" indent="0" algn="l" defTabSz="914400" rtl="0" fontAlgn="auto" latinLnBrk="1" hangingPunct="0">
@@ -6070,17 +6082,17 @@
         <a:solidFill>
           <a:srgbClr val="FFFFFF"/>
         </a:solidFill>
-        <a:ln w="12700" cap="flat">
+        <a:ln w="25400" cap="flat">
           <a:solidFill>
             <a:schemeClr val="accent1"/>
           </a:solidFill>
           <a:prstDash val="solid"/>
-          <a:miter lim="800000"/>
+          <a:round/>
         </a:ln>
         <a:effectLst/>
         <a:sp3d/>
       </a:spPr>
-      <a:bodyPr rot="0" spcFirstLastPara="1" vertOverflow="overflow" horzOverflow="overflow" vert="horz" wrap="square" lIns="45719" tIns="45719" rIns="45719" bIns="45719" numCol="1" spcCol="38100" rtlCol="0" anchor="ctr" upright="0">
+      <a:bodyPr rot="0" spcFirstLastPara="1" vertOverflow="overflow" horzOverflow="overflow" vert="horz" wrap="square" lIns="45718" tIns="45718" rIns="45718" bIns="45718" numCol="1" spcCol="38100" rtlCol="0" anchor="ctr" upright="0">
         <a:spAutoFit/>
       </a:bodyPr>
       <a:lstStyle>
@@ -6108,10 +6120,10 @@
             </a:solidFill>
             <a:effectLst/>
             <a:uFillTx/>
-            <a:latin typeface="+mj-lt"/>
-            <a:ea typeface="+mj-ea"/>
-            <a:cs typeface="+mj-cs"/>
-            <a:sym typeface="Calibri"/>
+            <a:latin typeface="+mn-lt"/>
+            <a:ea typeface="+mn-ea"/>
+            <a:cs typeface="+mn-cs"/>
+            <a:sym typeface="Helvetica"/>
           </a:defRPr>
         </a:defPPr>
         <a:lvl1pPr marL="0" marR="0" indent="0" algn="l" defTabSz="914400" rtl="0" fontAlgn="auto" latinLnBrk="1" hangingPunct="0">
@@ -6359,12 +6371,12 @@
     <a:lnDef>
       <a:spPr>
         <a:noFill/>
-        <a:ln w="12700" cap="flat">
+        <a:ln w="25400" cap="flat">
           <a:solidFill>
             <a:schemeClr val="accent1"/>
           </a:solidFill>
           <a:prstDash val="solid"/>
-          <a:miter lim="800000"/>
+          <a:round/>
         </a:ln>
         <a:effectLst/>
         <a:sp3d/>
@@ -6651,7 +6663,7 @@
         <a:effectLst/>
         <a:sp3d/>
       </a:spPr>
-      <a:bodyPr rot="0" spcFirstLastPara="1" vertOverflow="overflow" horzOverflow="overflow" vert="horz" wrap="square" lIns="45719" tIns="45719" rIns="45719" bIns="45719" numCol="1" spcCol="38100" rtlCol="0" anchor="t" upright="0">
+      <a:bodyPr rot="0" spcFirstLastPara="1" vertOverflow="overflow" horzOverflow="overflow" vert="horz" wrap="square" lIns="45718" tIns="45718" rIns="45718" bIns="45718" numCol="1" spcCol="38100" rtlCol="0" anchor="t" upright="0">
         <a:spAutoFit/>
       </a:bodyPr>
       <a:lstStyle>
@@ -6679,10 +6691,10 @@
             </a:solidFill>
             <a:effectLst/>
             <a:uFillTx/>
-            <a:latin typeface="+mj-lt"/>
-            <a:ea typeface="+mj-ea"/>
-            <a:cs typeface="+mj-cs"/>
-            <a:sym typeface="Calibri"/>
+            <a:latin typeface="+mn-lt"/>
+            <a:ea typeface="+mn-ea"/>
+            <a:cs typeface="+mn-cs"/>
+            <a:sym typeface="Helvetica"/>
           </a:defRPr>
         </a:defPPr>
         <a:lvl1pPr marL="0" marR="0" indent="0" algn="l" defTabSz="914400" rtl="0" fontAlgn="auto" latinLnBrk="1" hangingPunct="0">
